--- a/monografia/banner editado.pptx
+++ b/monografia/banner editado.pptx
@@ -665,7 +665,7 @@
             </a:extLst>
           </p:cNvPr>
           <p:cNvSpPr>
-            <a:spLocks noGrp="1" noChangeArrowheads="1"/>
+            <a:spLocks noGrp="1" noRot="1" noChangeAspect="1" noChangeArrowheads="1"/>
           </p:cNvSpPr>
           <p:nvPr>
             <p:ph type="sldImg"/>
@@ -1533,7 +1533,7 @@
             </a:extLst>
           </p:cNvPr>
           <p:cNvSpPr txBox="1">
-            <a:spLocks noChangeArrowheads="1"/>
+            <a:spLocks noGrp="1" noRot="1" noChangeAspect="1" noChangeArrowheads="1"/>
           </p:cNvSpPr>
           <p:nvPr>
             <p:ph type="sldImg"/>
@@ -1581,7 +1581,7 @@
             </a:extLst>
           </p:cNvPr>
           <p:cNvSpPr txBox="1">
-            <a:spLocks noChangeArrowheads="1"/>
+            <a:spLocks noGrp="1" noChangeArrowheads="1"/>
           </p:cNvSpPr>
           <p:nvPr>
             <p:ph type="body" idx="1"/>
@@ -8223,7 +8223,7 @@
           <a:graphicData uri="http://schemas.openxmlformats.org/presentationml/2006/ole">
             <mc:AlternateContent xmlns:mc="http://schemas.openxmlformats.org/markup-compatibility/2006">
               <mc:Choice xmlns:v="urn:schemas-microsoft-com:vml" Requires="v">
-                <p:oleObj spid="_x0000_s1033" r:id="rId14" imgW="1800476" imgH="1809524" progId="">
+                <p:oleObj spid="_x0000_s1034" r:id="rId14" imgW="1800476" imgH="1809524" progId="">
                   <p:embed/>
                 </p:oleObj>
               </mc:Choice>
@@ -8816,7 +8816,7 @@
           <a:graphicData uri="http://schemas.openxmlformats.org/presentationml/2006/ole">
             <mc:AlternateContent xmlns:mc="http://schemas.openxmlformats.org/markup-compatibility/2006">
               <mc:Choice xmlns:v="urn:schemas-microsoft-com:vml" Requires="v">
-                <p:oleObj spid="_x0000_s2059" r:id="rId14" imgW="1800476" imgH="1809524" progId="">
+                <p:oleObj spid="_x0000_s2061" r:id="rId14" imgW="1800476" imgH="1809524" progId="">
                   <p:embed/>
                 </p:oleObj>
               </mc:Choice>
@@ -8906,7 +8906,7 @@
           <a:graphicData uri="http://schemas.openxmlformats.org/presentationml/2006/ole">
             <mc:AlternateContent xmlns:mc="http://schemas.openxmlformats.org/markup-compatibility/2006">
               <mc:Choice xmlns:v="urn:schemas-microsoft-com:vml" Requires="v">
-                <p:oleObj spid="_x0000_s2060" r:id="rId16" imgW="1800476" imgH="1809524" progId="">
+                <p:oleObj spid="_x0000_s2062" r:id="rId16" imgW="1800476" imgH="1809524" progId="">
                   <p:embed/>
                 </p:oleObj>
               </mc:Choice>
@@ -9925,7 +9925,7 @@
           <a:graphicData uri="http://schemas.openxmlformats.org/presentationml/2006/ole">
             <mc:AlternateContent xmlns:mc="http://schemas.openxmlformats.org/markup-compatibility/2006">
               <mc:Choice xmlns:v="urn:schemas-microsoft-com:vml" Requires="v">
-                <p:oleObj spid="_x0000_s3083" r:id="rId14" imgW="1800476" imgH="1809524" progId="">
+                <p:oleObj spid="_x0000_s3085" r:id="rId14" imgW="1800476" imgH="1809524" progId="">
                   <p:embed/>
                 </p:oleObj>
               </mc:Choice>
@@ -10015,7 +10015,7 @@
           <a:graphicData uri="http://schemas.openxmlformats.org/presentationml/2006/ole">
             <mc:AlternateContent xmlns:mc="http://schemas.openxmlformats.org/markup-compatibility/2006">
               <mc:Choice xmlns:v="urn:schemas-microsoft-com:vml" Requires="v">
-                <p:oleObj spid="_x0000_s3084" r:id="rId16" imgW="1800476" imgH="1809524" progId="">
+                <p:oleObj spid="_x0000_s3086" r:id="rId16" imgW="1800476" imgH="1809524" progId="">
                   <p:embed/>
                 </p:oleObj>
               </mc:Choice>
@@ -20058,7 +20058,7 @@
         <p:spPr bwMode="auto">
           <a:xfrm>
             <a:off x="10633075" y="7015163"/>
-            <a:ext cx="12722225" cy="520700"/>
+            <a:ext cx="12722225" cy="981936"/>
           </a:xfrm>
           <a:prstGeom prst="rect">
             <a:avLst/>
@@ -20412,7 +20412,7 @@
               <a:buNone/>
             </a:pPr>
             <a:r>
-              <a:rPr lang="pt-BR" altLang="pt-BR" sz="2800" b="1">
+              <a:rPr lang="pt-BR" altLang="pt-BR" sz="2800" b="1" dirty="0">
                 <a:solidFill>
                   <a:srgbClr val="FF0000"/>
                 </a:solidFill>
@@ -20425,6 +20425,30 @@
               </a:rPr>
               <a:t>PALAVRAS CHAVE: GAMES, STEAM, LAUNCHER, REPOSITÓRIO</a:t>
             </a:r>
+          </a:p>
+          <a:p>
+            <a:pPr>
+              <a:spcBef>
+                <a:spcPts val="63"/>
+              </a:spcBef>
+              <a:spcAft>
+                <a:spcPts val="63"/>
+              </a:spcAft>
+              <a:buClrTx/>
+              <a:buFontTx/>
+              <a:buNone/>
+            </a:pPr>
+            <a:endParaRPr lang="pt-BR" altLang="pt-BR" sz="2800" b="1" dirty="0">
+              <a:solidFill>
+                <a:srgbClr val="FF0000"/>
+              </a:solidFill>
+              <a:effectLst>
+                <a:outerShdw blurRad="38100" dist="38100" dir="2700000" algn="tl">
+                  <a:srgbClr val="C0C0C0"/>
+                </a:outerShdw>
+              </a:effectLst>
+              <a:latin typeface="Verdana" panose="020B0604030504040204" pitchFamily="34" charset="0"/>
+            </a:endParaRPr>
           </a:p>
         </p:txBody>
       </p:sp>
@@ -20863,6 +20887,178 @@
               </a:rPr>
               <a:t>https://fiverr-res.cloudinary.com/images/q_auto,f_auto/gigs/111075660/original/e1ba3d5ec52bf12acaba05bbfce7634599dbaa41/do-clean-html-css-javascript-and-php-projects-for-you.png</a:t>
             </a:r>
+          </a:p>
+        </p:txBody>
+      </p:sp>
+      <p:sp>
+        <p:nvSpPr>
+          <p:cNvPr id="35" name="CaixaDeTexto 18">
+            <a:extLst>
+              <a:ext uri="{FF2B5EF4-FFF2-40B4-BE49-F238E27FC236}">
+                <a16:creationId xmlns:a16="http://schemas.microsoft.com/office/drawing/2014/main" id="{3EF105E6-1649-4C2A-96E9-4F532E392D98}"/>
+              </a:ext>
+            </a:extLst>
+          </p:cNvPr>
+          <p:cNvSpPr txBox="1">
+            <a:spLocks noChangeArrowheads="1"/>
+          </p:cNvSpPr>
+          <p:nvPr/>
+        </p:nvSpPr>
+        <p:spPr bwMode="auto">
+          <a:xfrm>
+            <a:off x="4437063" y="7469188"/>
+            <a:ext cx="23529925" cy="584775"/>
+          </a:xfrm>
+          <a:prstGeom prst="rect">
+            <a:avLst/>
+          </a:prstGeom>
+          <a:noFill/>
+          <a:ln>
+            <a:noFill/>
+          </a:ln>
+          <a:extLst>
+            <a:ext uri="{909E8E84-426E-40DD-AFC4-6F175D3DCCD1}">
+              <a14:hiddenFill xmlns:a14="http://schemas.microsoft.com/office/drawing/2010/main">
+                <a:solidFill>
+                  <a:srgbClr val="FFFFFF"/>
+                </a:solidFill>
+              </a14:hiddenFill>
+            </a:ext>
+            <a:ext uri="{91240B29-F687-4F45-9708-019B960494DF}">
+              <a14:hiddenLine xmlns:a14="http://schemas.microsoft.com/office/drawing/2010/main" w="9525">
+                <a:solidFill>
+                  <a:srgbClr val="000000"/>
+                </a:solidFill>
+                <a:miter lim="800000"/>
+                <a:headEnd/>
+                <a:tailEnd/>
+              </a14:hiddenLine>
+            </a:ext>
+          </a:extLst>
+        </p:spPr>
+        <p:txBody>
+          <a:bodyPr>
+            <a:spAutoFit/>
+          </a:bodyPr>
+          <a:lstStyle>
+            <a:lvl1pPr>
+              <a:defRPr sz="2100">
+                <a:solidFill>
+                  <a:schemeClr val="tx1"/>
+                </a:solidFill>
+                <a:latin typeface="Arial" panose="020B0604020202020204" pitchFamily="34" charset="0"/>
+              </a:defRPr>
+            </a:lvl1pPr>
+            <a:lvl2pPr marL="742950" indent="-285750">
+              <a:defRPr sz="2100">
+                <a:solidFill>
+                  <a:schemeClr val="tx1"/>
+                </a:solidFill>
+                <a:latin typeface="Arial" panose="020B0604020202020204" pitchFamily="34" charset="0"/>
+              </a:defRPr>
+            </a:lvl2pPr>
+            <a:lvl3pPr marL="1143000" indent="-228600">
+              <a:defRPr sz="2100">
+                <a:solidFill>
+                  <a:schemeClr val="tx1"/>
+                </a:solidFill>
+                <a:latin typeface="Arial" panose="020B0604020202020204" pitchFamily="34" charset="0"/>
+              </a:defRPr>
+            </a:lvl3pPr>
+            <a:lvl4pPr marL="1600200" indent="-228600">
+              <a:defRPr sz="2100">
+                <a:solidFill>
+                  <a:schemeClr val="tx1"/>
+                </a:solidFill>
+                <a:latin typeface="Arial" panose="020B0604020202020204" pitchFamily="34" charset="0"/>
+              </a:defRPr>
+            </a:lvl4pPr>
+            <a:lvl5pPr marL="2057400" indent="-228600">
+              <a:defRPr sz="2100">
+                <a:solidFill>
+                  <a:schemeClr val="tx1"/>
+                </a:solidFill>
+                <a:latin typeface="Arial" panose="020B0604020202020204" pitchFamily="34" charset="0"/>
+              </a:defRPr>
+            </a:lvl5pPr>
+            <a:lvl6pPr marL="2514600" indent="-228600" eaLnBrk="0" fontAlgn="base" hangingPunct="0">
+              <a:spcBef>
+                <a:spcPct val="0"/>
+              </a:spcBef>
+              <a:spcAft>
+                <a:spcPct val="0"/>
+              </a:spcAft>
+              <a:defRPr sz="2100">
+                <a:solidFill>
+                  <a:schemeClr val="tx1"/>
+                </a:solidFill>
+                <a:latin typeface="Arial" panose="020B0604020202020204" pitchFamily="34" charset="0"/>
+              </a:defRPr>
+            </a:lvl6pPr>
+            <a:lvl7pPr marL="2971800" indent="-228600" eaLnBrk="0" fontAlgn="base" hangingPunct="0">
+              <a:spcBef>
+                <a:spcPct val="0"/>
+              </a:spcBef>
+              <a:spcAft>
+                <a:spcPct val="0"/>
+              </a:spcAft>
+              <a:defRPr sz="2100">
+                <a:solidFill>
+                  <a:schemeClr val="tx1"/>
+                </a:solidFill>
+                <a:latin typeface="Arial" panose="020B0604020202020204" pitchFamily="34" charset="0"/>
+              </a:defRPr>
+            </a:lvl7pPr>
+            <a:lvl8pPr marL="3429000" indent="-228600" eaLnBrk="0" fontAlgn="base" hangingPunct="0">
+              <a:spcBef>
+                <a:spcPct val="0"/>
+              </a:spcBef>
+              <a:spcAft>
+                <a:spcPct val="0"/>
+              </a:spcAft>
+              <a:defRPr sz="2100">
+                <a:solidFill>
+                  <a:schemeClr val="tx1"/>
+                </a:solidFill>
+                <a:latin typeface="Arial" panose="020B0604020202020204" pitchFamily="34" charset="0"/>
+              </a:defRPr>
+            </a:lvl8pPr>
+            <a:lvl9pPr marL="3886200" indent="-228600" eaLnBrk="0" fontAlgn="base" hangingPunct="0">
+              <a:spcBef>
+                <a:spcPct val="0"/>
+              </a:spcBef>
+              <a:spcAft>
+                <a:spcPct val="0"/>
+              </a:spcAft>
+              <a:defRPr sz="2100">
+                <a:solidFill>
+                  <a:schemeClr val="tx1"/>
+                </a:solidFill>
+                <a:latin typeface="Arial" panose="020B0604020202020204" pitchFamily="34" charset="0"/>
+              </a:defRPr>
+            </a:lvl9pPr>
+          </a:lstStyle>
+          <a:p>
+            <a:pPr algn="ctr"/>
+            <a:r>
+              <a:rPr lang="pt-BR" altLang="pt-BR" sz="3200">
+                <a:solidFill>
+                  <a:srgbClr val="FF0000"/>
+                </a:solidFill>
+                <a:latin typeface="Verdana" panose="020B0604030504040204" pitchFamily="34" charset="0"/>
+                <a:ea typeface="Verdana" panose="020B0604030504040204" pitchFamily="34" charset="0"/>
+                <a:cs typeface="Verdana" panose="020B0604030504040204" pitchFamily="34" charset="0"/>
+              </a:rPr>
+              <a:t>GIOVANNI BAUTTO ROHRIG, NATAN RIGHI</a:t>
+            </a:r>
+            <a:endParaRPr lang="pt-BR" altLang="pt-BR" sz="3200" dirty="0">
+              <a:solidFill>
+                <a:srgbClr val="FF0000"/>
+              </a:solidFill>
+              <a:latin typeface="Verdana" panose="020B0604030504040204" pitchFamily="34" charset="0"/>
+              <a:ea typeface="Verdana" panose="020B0604030504040204" pitchFamily="34" charset="0"/>
+              <a:cs typeface="Verdana" panose="020B0604030504040204" pitchFamily="34" charset="0"/>
+            </a:endParaRPr>
           </a:p>
         </p:txBody>
       </p:sp>
